--- a/FunPro/C#/Lectures/lecture16.pptx
+++ b/FunPro/C#/Lectures/lecture16.pptx
@@ -259,7 +259,7 @@
           <a:p>
             <a:fld id="{4AF25F57-0322-4BFB-B9ED-6746F070C778}" type="datetimeFigureOut">
               <a:rPr lang="en-US" smtClean="0"/>
-              <a:t>1/19/2019</a:t>
+              <a:t>1/25/2019</a:t>
             </a:fld>
             <a:endParaRPr lang="en-US"/>
           </a:p>
@@ -12359,21 +12359,8 @@
                   <a:srgbClr val="FFFFFF"/>
                 </a:solidFill>
               </a:rPr>
-              <a:t>Lecture </a:t>
-            </a:r>
-            <a:r>
-              <a:rPr lang="en-US" sz="4600" dirty="0" smtClean="0">
-                <a:solidFill>
-                  <a:srgbClr val="FFFFFF"/>
-                </a:solidFill>
-              </a:rPr>
-              <a:t>16</a:t>
-            </a:r>
-            <a:endParaRPr lang="en-US" sz="4600" dirty="0" smtClean="0">
-              <a:solidFill>
-                <a:srgbClr val="FFFFFF"/>
-              </a:solidFill>
-            </a:endParaRPr>
+              <a:t>Lecture 16</a:t>
+            </a:r>
           </a:p>
         </p:txBody>
       </p:sp>
@@ -12874,11 +12861,7 @@
           <a:p>
             <a:r>
               <a:rPr lang="en-US" dirty="0" smtClean="0"/>
-              <a:t>Searching in </a:t>
-            </a:r>
-            <a:r>
-              <a:rPr lang="en-US" dirty="0" smtClean="0"/>
-              <a:t>List&lt;&gt;</a:t>
+              <a:t>Searching in List&lt;&gt;</a:t>
             </a:r>
             <a:endParaRPr lang="ru-RU" dirty="0" smtClean="0"/>
           </a:p>
@@ -14464,13 +14447,13 @@
               <p:cTn id="2" dur="indefinite" nodeType="mainSeq">
                 <p:childTnLst>
                   <p:par>
-                    <p:cTn id="3" fill="hold" nodeType="clickPar">
+                    <p:cTn id="3" fill="hold">
                       <p:stCondLst>
                         <p:cond delay="indefinite"/>
                       </p:stCondLst>
                       <p:childTnLst>
                         <p:par>
-                          <p:cTn id="4" fill="hold" nodeType="withGroup">
+                          <p:cTn id="4" fill="hold">
                             <p:stCondLst>
                               <p:cond delay="0"/>
                             </p:stCondLst>
@@ -14484,67 +14467,6 @@
                                     <p:set>
                                       <p:cBhvr>
                                         <p:cTn id="6" dur="1" fill="hold">
-                                          <p:stCondLst>
-                                            <p:cond delay="0"/>
-                                          </p:stCondLst>
-                                        </p:cTn>
-                                        <p:tgtEl>
-                                          <p:spTgt spid="16387">
-                                            <p:txEl>
-                                              <p:pRg st="4" end="4"/>
-                                            </p:txEl>
-                                          </p:spTgt>
-                                        </p:tgtEl>
-                                        <p:attrNameLst>
-                                          <p:attrName>style.visibility</p:attrName>
-                                        </p:attrNameLst>
-                                      </p:cBhvr>
-                                      <p:to>
-                                        <p:strVal val="visible"/>
-                                      </p:to>
-                                    </p:set>
-                                    <p:animEffect transition="in" filter="fade">
-                                      <p:cBhvr>
-                                        <p:cTn id="7" dur="500"/>
-                                        <p:tgtEl>
-                                          <p:spTgt spid="16387">
-                                            <p:txEl>
-                                              <p:pRg st="4" end="4"/>
-                                            </p:txEl>
-                                          </p:spTgt>
-                                        </p:tgtEl>
-                                      </p:cBhvr>
-                                    </p:animEffect>
-                                  </p:childTnLst>
-                                </p:cTn>
-                              </p:par>
-                            </p:childTnLst>
-                          </p:cTn>
-                        </p:par>
-                      </p:childTnLst>
-                    </p:cTn>
-                  </p:par>
-                  <p:par>
-                    <p:cTn id="8" fill="hold">
-                      <p:stCondLst>
-                        <p:cond delay="indefinite"/>
-                      </p:stCondLst>
-                      <p:childTnLst>
-                        <p:par>
-                          <p:cTn id="9" fill="hold">
-                            <p:stCondLst>
-                              <p:cond delay="0"/>
-                            </p:stCondLst>
-                            <p:childTnLst>
-                              <p:par>
-                                <p:cTn id="10" presetID="10" presetClass="entr" presetSubtype="0" fill="hold" nodeType="clickEffect">
-                                  <p:stCondLst>
-                                    <p:cond delay="0"/>
-                                  </p:stCondLst>
-                                  <p:childTnLst>
-                                    <p:set>
-                                      <p:cBhvr>
-                                        <p:cTn id="11" dur="1" fill="hold">
                                           <p:stCondLst>
                                             <p:cond delay="0"/>
                                           </p:stCondLst>
@@ -14566,7 +14488,7 @@
                                     </p:set>
                                     <p:animEffect transition="in" filter="fade">
                                       <p:cBhvr>
-                                        <p:cTn id="12" dur="500"/>
+                                        <p:cTn id="7" dur="500"/>
                                         <p:tgtEl>
                                           <p:spTgt spid="16387">
                                             <p:txEl>
@@ -14579,33 +14501,15 @@
                                   </p:childTnLst>
                                 </p:cTn>
                               </p:par>
-                            </p:childTnLst>
-                          </p:cTn>
-                        </p:par>
-                      </p:childTnLst>
-                    </p:cTn>
-                  </p:par>
-                  <p:par>
-                    <p:cTn id="13" fill="hold">
-                      <p:stCondLst>
-                        <p:cond delay="indefinite"/>
-                      </p:stCondLst>
-                      <p:childTnLst>
-                        <p:par>
-                          <p:cTn id="14" fill="hold">
-                            <p:stCondLst>
-                              <p:cond delay="0"/>
-                            </p:stCondLst>
-                            <p:childTnLst>
                               <p:par>
-                                <p:cTn id="15" presetID="10" presetClass="entr" presetSubtype="0" fill="hold" nodeType="clickEffect">
+                                <p:cTn id="8" presetID="10" presetClass="entr" presetSubtype="0" fill="hold" nodeType="withEffect">
                                   <p:stCondLst>
                                     <p:cond delay="0"/>
                                   </p:stCondLst>
                                   <p:childTnLst>
                                     <p:set>
                                       <p:cBhvr>
-                                        <p:cTn id="16" dur="1" fill="hold">
+                                        <p:cTn id="9" dur="1" fill="hold">
                                           <p:stCondLst>
                                             <p:cond delay="0"/>
                                           </p:stCondLst>
@@ -14613,7 +14517,7 @@
                                         <p:tgtEl>
                                           <p:spTgt spid="16387">
                                             <p:txEl>
-                                              <p:pRg st="0" end="0"/>
+                                              <p:pRg st="6" end="6"/>
                                             </p:txEl>
                                           </p:spTgt>
                                         </p:tgtEl>
@@ -14627,11 +14531,11 @@
                                     </p:set>
                                     <p:animEffect transition="in" filter="fade">
                                       <p:cBhvr>
-                                        <p:cTn id="17" dur="500"/>
+                                        <p:cTn id="10" dur="500"/>
                                         <p:tgtEl>
                                           <p:spTgt spid="16387">
                                             <p:txEl>
-                                              <p:pRg st="0" end="0"/>
+                                              <p:pRg st="6" end="6"/>
                                             </p:txEl>
                                           </p:spTgt>
                                         </p:tgtEl>
@@ -14640,26 +14544,137 @@
                                   </p:childTnLst>
                                 </p:cTn>
                               </p:par>
-                            </p:childTnLst>
-                          </p:cTn>
-                        </p:par>
-                      </p:childTnLst>
-                    </p:cTn>
-                  </p:par>
-                  <p:par>
-                    <p:cTn id="18" fill="hold">
-                      <p:stCondLst>
-                        <p:cond delay="indefinite"/>
-                      </p:stCondLst>
-                      <p:childTnLst>
-                        <p:par>
-                          <p:cTn id="19" fill="hold">
-                            <p:stCondLst>
-                              <p:cond delay="0"/>
-                            </p:stCondLst>
-                            <p:childTnLst>
                               <p:par>
-                                <p:cTn id="20" presetID="10" presetClass="entr" presetSubtype="0" fill="hold" nodeType="clickEffect">
+                                <p:cTn id="11" presetID="10" presetClass="entr" presetSubtype="0" fill="hold" nodeType="withEffect">
+                                  <p:stCondLst>
+                                    <p:cond delay="0"/>
+                                  </p:stCondLst>
+                                  <p:childTnLst>
+                                    <p:set>
+                                      <p:cBhvr>
+                                        <p:cTn id="12" dur="1" fill="hold">
+                                          <p:stCondLst>
+                                            <p:cond delay="0"/>
+                                          </p:stCondLst>
+                                        </p:cTn>
+                                        <p:tgtEl>
+                                          <p:spTgt spid="16387">
+                                            <p:txEl>
+                                              <p:pRg st="7" end="7"/>
+                                            </p:txEl>
+                                          </p:spTgt>
+                                        </p:tgtEl>
+                                        <p:attrNameLst>
+                                          <p:attrName>style.visibility</p:attrName>
+                                        </p:attrNameLst>
+                                      </p:cBhvr>
+                                      <p:to>
+                                        <p:strVal val="visible"/>
+                                      </p:to>
+                                    </p:set>
+                                    <p:animEffect transition="in" filter="fade">
+                                      <p:cBhvr>
+                                        <p:cTn id="13" dur="500"/>
+                                        <p:tgtEl>
+                                          <p:spTgt spid="16387">
+                                            <p:txEl>
+                                              <p:pRg st="7" end="7"/>
+                                            </p:txEl>
+                                          </p:spTgt>
+                                        </p:tgtEl>
+                                      </p:cBhvr>
+                                    </p:animEffect>
+                                  </p:childTnLst>
+                                </p:cTn>
+                              </p:par>
+                              <p:par>
+                                <p:cTn id="14" presetID="10" presetClass="entr" presetSubtype="0" fill="hold" nodeType="withEffect">
+                                  <p:stCondLst>
+                                    <p:cond delay="0"/>
+                                  </p:stCondLst>
+                                  <p:childTnLst>
+                                    <p:set>
+                                      <p:cBhvr>
+                                        <p:cTn id="15" dur="1" fill="hold">
+                                          <p:stCondLst>
+                                            <p:cond delay="0"/>
+                                          </p:stCondLst>
+                                        </p:cTn>
+                                        <p:tgtEl>
+                                          <p:spTgt spid="16387">
+                                            <p:txEl>
+                                              <p:pRg st="8" end="8"/>
+                                            </p:txEl>
+                                          </p:spTgt>
+                                        </p:tgtEl>
+                                        <p:attrNameLst>
+                                          <p:attrName>style.visibility</p:attrName>
+                                        </p:attrNameLst>
+                                      </p:cBhvr>
+                                      <p:to>
+                                        <p:strVal val="visible"/>
+                                      </p:to>
+                                    </p:set>
+                                    <p:animEffect transition="in" filter="fade">
+                                      <p:cBhvr>
+                                        <p:cTn id="16" dur="500"/>
+                                        <p:tgtEl>
+                                          <p:spTgt spid="16387">
+                                            <p:txEl>
+                                              <p:pRg st="8" end="8"/>
+                                            </p:txEl>
+                                          </p:spTgt>
+                                        </p:tgtEl>
+                                      </p:cBhvr>
+                                    </p:animEffect>
+                                  </p:childTnLst>
+                                </p:cTn>
+                              </p:par>
+                              <p:par>
+                                <p:cTn id="17" presetID="10" presetClass="entr" presetSubtype="0" fill="hold" nodeType="withEffect">
+                                  <p:stCondLst>
+                                    <p:cond delay="0"/>
+                                  </p:stCondLst>
+                                  <p:childTnLst>
+                                    <p:set>
+                                      <p:cBhvr>
+                                        <p:cTn id="18" dur="1" fill="hold">
+                                          <p:stCondLst>
+                                            <p:cond delay="0"/>
+                                          </p:stCondLst>
+                                        </p:cTn>
+                                        <p:tgtEl>
+                                          <p:spTgt spid="16387">
+                                            <p:txEl>
+                                              <p:pRg st="9" end="9"/>
+                                            </p:txEl>
+                                          </p:spTgt>
+                                        </p:tgtEl>
+                                        <p:attrNameLst>
+                                          <p:attrName>style.visibility</p:attrName>
+                                        </p:attrNameLst>
+                                      </p:cBhvr>
+                                      <p:to>
+                                        <p:strVal val="visible"/>
+                                      </p:to>
+                                    </p:set>
+                                    <p:animEffect transition="in" filter="fade">
+                                      <p:cBhvr>
+                                        <p:cTn id="19" dur="500"/>
+                                        <p:tgtEl>
+                                          <p:spTgt spid="16387">
+                                            <p:txEl>
+                                              <p:pRg st="9" end="9"/>
+                                            </p:txEl>
+                                          </p:spTgt>
+                                        </p:tgtEl>
+                                      </p:cBhvr>
+                                    </p:animEffect>
+                                  </p:childTnLst>
+                                </p:cTn>
+                              </p:par>
+                              <p:par>
+                                <p:cTn id="20" presetID="10" presetClass="entr" presetSubtype="0" fill="hold" nodeType="withEffect">
                                   <p:stCondLst>
                                     <p:cond delay="0"/>
                                   </p:stCondLst>
@@ -14674,7 +14689,7 @@
                                         <p:tgtEl>
                                           <p:spTgt spid="16387">
                                             <p:txEl>
-                                              <p:pRg st="1" end="1"/>
+                                              <p:pRg st="10" end="10"/>
                                             </p:txEl>
                                           </p:spTgt>
                                         </p:tgtEl>
@@ -14692,129 +14707,7 @@
                                         <p:tgtEl>
                                           <p:spTgt spid="16387">
                                             <p:txEl>
-                                              <p:pRg st="1" end="1"/>
-                                            </p:txEl>
-                                          </p:spTgt>
-                                        </p:tgtEl>
-                                      </p:cBhvr>
-                                    </p:animEffect>
-                                  </p:childTnLst>
-                                </p:cTn>
-                              </p:par>
-                            </p:childTnLst>
-                          </p:cTn>
-                        </p:par>
-                      </p:childTnLst>
-                    </p:cTn>
-                  </p:par>
-                  <p:par>
-                    <p:cTn id="23" fill="hold">
-                      <p:stCondLst>
-                        <p:cond delay="indefinite"/>
-                      </p:stCondLst>
-                      <p:childTnLst>
-                        <p:par>
-                          <p:cTn id="24" fill="hold">
-                            <p:stCondLst>
-                              <p:cond delay="0"/>
-                            </p:stCondLst>
-                            <p:childTnLst>
-                              <p:par>
-                                <p:cTn id="25" presetID="10" presetClass="entr" presetSubtype="0" fill="hold" nodeType="clickEffect">
-                                  <p:stCondLst>
-                                    <p:cond delay="0"/>
-                                  </p:stCondLst>
-                                  <p:childTnLst>
-                                    <p:set>
-                                      <p:cBhvr>
-                                        <p:cTn id="26" dur="1" fill="hold">
-                                          <p:stCondLst>
-                                            <p:cond delay="0"/>
-                                          </p:stCondLst>
-                                        </p:cTn>
-                                        <p:tgtEl>
-                                          <p:spTgt spid="16387">
-                                            <p:txEl>
-                                              <p:pRg st="2" end="2"/>
-                                            </p:txEl>
-                                          </p:spTgt>
-                                        </p:tgtEl>
-                                        <p:attrNameLst>
-                                          <p:attrName>style.visibility</p:attrName>
-                                        </p:attrNameLst>
-                                      </p:cBhvr>
-                                      <p:to>
-                                        <p:strVal val="visible"/>
-                                      </p:to>
-                                    </p:set>
-                                    <p:animEffect transition="in" filter="fade">
-                                      <p:cBhvr>
-                                        <p:cTn id="27" dur="500"/>
-                                        <p:tgtEl>
-                                          <p:spTgt spid="16387">
-                                            <p:txEl>
-                                              <p:pRg st="2" end="2"/>
-                                            </p:txEl>
-                                          </p:spTgt>
-                                        </p:tgtEl>
-                                      </p:cBhvr>
-                                    </p:animEffect>
-                                  </p:childTnLst>
-                                </p:cTn>
-                              </p:par>
-                            </p:childTnLst>
-                          </p:cTn>
-                        </p:par>
-                      </p:childTnLst>
-                    </p:cTn>
-                  </p:par>
-                  <p:par>
-                    <p:cTn id="28" fill="hold">
-                      <p:stCondLst>
-                        <p:cond delay="indefinite"/>
-                      </p:stCondLst>
-                      <p:childTnLst>
-                        <p:par>
-                          <p:cTn id="29" fill="hold">
-                            <p:stCondLst>
-                              <p:cond delay="0"/>
-                            </p:stCondLst>
-                            <p:childTnLst>
-                              <p:par>
-                                <p:cTn id="30" presetID="10" presetClass="entr" presetSubtype="0" fill="hold" nodeType="clickEffect">
-                                  <p:stCondLst>
-                                    <p:cond delay="0"/>
-                                  </p:stCondLst>
-                                  <p:childTnLst>
-                                    <p:set>
-                                      <p:cBhvr>
-                                        <p:cTn id="31" dur="1" fill="hold">
-                                          <p:stCondLst>
-                                            <p:cond delay="0"/>
-                                          </p:stCondLst>
-                                        </p:cTn>
-                                        <p:tgtEl>
-                                          <p:spTgt spid="16387">
-                                            <p:txEl>
-                                              <p:pRg st="3" end="3"/>
-                                            </p:txEl>
-                                          </p:spTgt>
-                                        </p:tgtEl>
-                                        <p:attrNameLst>
-                                          <p:attrName>style.visibility</p:attrName>
-                                        </p:attrNameLst>
-                                      </p:cBhvr>
-                                      <p:to>
-                                        <p:strVal val="visible"/>
-                                      </p:to>
-                                    </p:set>
-                                    <p:animEffect transition="in" filter="fade">
-                                      <p:cBhvr>
-                                        <p:cTn id="32" dur="500"/>
-                                        <p:tgtEl>
-                                          <p:spTgt spid="16387">
-                                            <p:txEl>
-                                              <p:pRg st="3" end="3"/>
+                                              <p:pRg st="10" end="10"/>
                                             </p:txEl>
                                           </p:spTgt>
                                         </p:tgtEl>
@@ -15436,7 +15329,7 @@
                                         <p:tgtEl>
                                           <p:spTgt spid="16387">
                                             <p:txEl>
-                                              <p:pRg st="1" end="1"/>
+                                              <p:pRg st="5" end="5"/>
                                             </p:txEl>
                                           </p:spTgt>
                                         </p:tgtEl>
@@ -15454,7 +15347,7 @@
                                         <p:tgtEl>
                                           <p:spTgt spid="16387">
                                             <p:txEl>
-                                              <p:pRg st="1" end="1"/>
+                                              <p:pRg st="5" end="5"/>
                                             </p:txEl>
                                           </p:spTgt>
                                         </p:tgtEl>
@@ -15463,33 +15356,15 @@
                                   </p:childTnLst>
                                 </p:cTn>
                               </p:par>
-                            </p:childTnLst>
-                          </p:cTn>
-                        </p:par>
-                      </p:childTnLst>
-                    </p:cTn>
-                  </p:par>
-                  <p:par>
-                    <p:cTn id="8" fill="hold">
-                      <p:stCondLst>
-                        <p:cond delay="indefinite"/>
-                      </p:stCondLst>
-                      <p:childTnLst>
-                        <p:par>
-                          <p:cTn id="9" fill="hold">
-                            <p:stCondLst>
-                              <p:cond delay="0"/>
-                            </p:stCondLst>
-                            <p:childTnLst>
                               <p:par>
-                                <p:cTn id="10" presetID="10" presetClass="entr" presetSubtype="0" fill="hold" nodeType="clickEffect">
+                                <p:cTn id="8" presetID="10" presetClass="entr" presetSubtype="0" fill="hold" nodeType="withEffect">
                                   <p:stCondLst>
                                     <p:cond delay="0"/>
                                   </p:stCondLst>
                                   <p:childTnLst>
                                     <p:set>
                                       <p:cBhvr>
-                                        <p:cTn id="11" dur="1" fill="hold">
+                                        <p:cTn id="9" dur="1" fill="hold">
                                           <p:stCondLst>
                                             <p:cond delay="0"/>
                                           </p:stCondLst>
@@ -15497,7 +15372,7 @@
                                         <p:tgtEl>
                                           <p:spTgt spid="16387">
                                             <p:txEl>
-                                              <p:pRg st="2" end="2"/>
+                                              <p:pRg st="6" end="6"/>
                                             </p:txEl>
                                           </p:spTgt>
                                         </p:tgtEl>
@@ -15511,11 +15386,11 @@
                                     </p:set>
                                     <p:animEffect transition="in" filter="fade">
                                       <p:cBhvr>
-                                        <p:cTn id="12" dur="500"/>
+                                        <p:cTn id="10" dur="500"/>
                                         <p:tgtEl>
                                           <p:spTgt spid="16387">
                                             <p:txEl>
-                                              <p:pRg st="2" end="2"/>
+                                              <p:pRg st="6" end="6"/>
                                             </p:txEl>
                                           </p:spTgt>
                                         </p:tgtEl>
@@ -15524,33 +15399,15 @@
                                   </p:childTnLst>
                                 </p:cTn>
                               </p:par>
-                            </p:childTnLst>
-                          </p:cTn>
-                        </p:par>
-                      </p:childTnLst>
-                    </p:cTn>
-                  </p:par>
-                  <p:par>
-                    <p:cTn id="13" fill="hold">
-                      <p:stCondLst>
-                        <p:cond delay="indefinite"/>
-                      </p:stCondLst>
-                      <p:childTnLst>
-                        <p:par>
-                          <p:cTn id="14" fill="hold">
-                            <p:stCondLst>
-                              <p:cond delay="0"/>
-                            </p:stCondLst>
-                            <p:childTnLst>
                               <p:par>
-                                <p:cTn id="15" presetID="10" presetClass="entr" presetSubtype="0" fill="hold" nodeType="clickEffect">
+                                <p:cTn id="11" presetID="10" presetClass="entr" presetSubtype="0" fill="hold" nodeType="withEffect">
                                   <p:stCondLst>
                                     <p:cond delay="0"/>
                                   </p:stCondLst>
                                   <p:childTnLst>
                                     <p:set>
                                       <p:cBhvr>
-                                        <p:cTn id="16" dur="1" fill="hold">
+                                        <p:cTn id="12" dur="1" fill="hold">
                                           <p:stCondLst>
                                             <p:cond delay="0"/>
                                           </p:stCondLst>
@@ -15558,7 +15415,7 @@
                                         <p:tgtEl>
                                           <p:spTgt spid="16387">
                                             <p:txEl>
-                                              <p:pRg st="0" end="0"/>
+                                              <p:pRg st="7" end="7"/>
                                             </p:txEl>
                                           </p:spTgt>
                                         </p:tgtEl>
@@ -15572,11 +15429,54 @@
                                     </p:set>
                                     <p:animEffect transition="in" filter="fade">
                                       <p:cBhvr>
-                                        <p:cTn id="17" dur="500"/>
+                                        <p:cTn id="13" dur="500"/>
                                         <p:tgtEl>
                                           <p:spTgt spid="16387">
                                             <p:txEl>
-                                              <p:pRg st="0" end="0"/>
+                                              <p:pRg st="7" end="7"/>
+                                            </p:txEl>
+                                          </p:spTgt>
+                                        </p:tgtEl>
+                                      </p:cBhvr>
+                                    </p:animEffect>
+                                  </p:childTnLst>
+                                </p:cTn>
+                              </p:par>
+                              <p:par>
+                                <p:cTn id="14" presetID="10" presetClass="entr" presetSubtype="0" fill="hold" nodeType="withEffect">
+                                  <p:stCondLst>
+                                    <p:cond delay="0"/>
+                                  </p:stCondLst>
+                                  <p:childTnLst>
+                                    <p:set>
+                                      <p:cBhvr>
+                                        <p:cTn id="15" dur="1" fill="hold">
+                                          <p:stCondLst>
+                                            <p:cond delay="0"/>
+                                          </p:stCondLst>
+                                        </p:cTn>
+                                        <p:tgtEl>
+                                          <p:spTgt spid="16387">
+                                            <p:txEl>
+                                              <p:pRg st="8" end="8"/>
+                                            </p:txEl>
+                                          </p:spTgt>
+                                        </p:tgtEl>
+                                        <p:attrNameLst>
+                                          <p:attrName>style.visibility</p:attrName>
+                                        </p:attrNameLst>
+                                      </p:cBhvr>
+                                      <p:to>
+                                        <p:strVal val="visible"/>
+                                      </p:to>
+                                    </p:set>
+                                    <p:animEffect transition="in" filter="fade">
+                                      <p:cBhvr>
+                                        <p:cTn id="16" dur="500"/>
+                                        <p:tgtEl>
+                                          <p:spTgt spid="16387">
+                                            <p:txEl>
+                                              <p:pRg st="8" end="8"/>
                                             </p:txEl>
                                           </p:spTgt>
                                         </p:tgtEl>
@@ -15681,11 +15581,7 @@
           <a:p>
             <a:r>
               <a:rPr lang="en-US" dirty="0" smtClean="0"/>
-              <a:t>The result returned from the LINQ query is of special type </a:t>
-            </a:r>
-            <a:r>
-              <a:rPr lang="en-US" dirty="0" smtClean="0"/>
-              <a:t>– </a:t>
+              <a:t>The result returned from the LINQ query is of special type – </a:t>
             </a:r>
             <a:r>
               <a:rPr lang="en-US" dirty="0" err="1" smtClean="0"/>
@@ -15693,11 +15589,7 @@
             </a:r>
             <a:r>
               <a:rPr lang="en-US" dirty="0" smtClean="0"/>
-              <a:t>&lt;</a:t>
-            </a:r>
-            <a:r>
-              <a:rPr lang="en-US" dirty="0" smtClean="0"/>
-              <a:t>T</a:t>
+              <a:t>&lt;T</a:t>
             </a:r>
             <a:r>
               <a:rPr lang="en-US" dirty="0"/>
@@ -15720,13 +15612,8 @@
             </a:r>
             <a:r>
               <a:rPr lang="en-US" dirty="0" smtClean="0"/>
-              <a:t>&gt;</a:t>
-            </a:r>
-            <a:r>
-              <a:rPr lang="en-US" dirty="0" smtClean="0"/>
-              <a:t>:</a:t>
-            </a:r>
-            <a:endParaRPr lang="en-US" dirty="0" smtClean="0"/>
+              <a:t>&gt;:</a:t>
+            </a:r>
           </a:p>
           <a:p>
             <a:pPr lvl="1"/>
@@ -16590,24 +16477,14 @@
           <a:p>
             <a:r>
               <a:rPr lang="en-US" dirty="0" smtClean="0"/>
-              <a:t>Understand how sorting is implemented in </a:t>
-            </a:r>
+              <a:t>Understand how sorting is implemented in C#.NET</a:t>
+            </a:r>
+          </a:p>
+          <a:p>
             <a:r>
               <a:rPr lang="en-US" dirty="0" smtClean="0"/>
-              <a:t>C#.NET</a:t>
-            </a:r>
-            <a:endParaRPr lang="en-US" dirty="0" smtClean="0"/>
-          </a:p>
-          <a:p>
-            <a:r>
-              <a:rPr lang="en-US" dirty="0" smtClean="0"/>
-              <a:t>Understand how searching is implemented in </a:t>
-            </a:r>
-            <a:r>
-              <a:rPr lang="en-US" dirty="0" smtClean="0"/>
-              <a:t>C#.NET</a:t>
-            </a:r>
-            <a:endParaRPr lang="en-US" dirty="0" smtClean="0"/>
+              <a:t>Understand how searching is implemented in C#.NET</a:t>
+            </a:r>
           </a:p>
         </p:txBody>
       </p:sp>
@@ -16690,22 +16567,35 @@
           <a:lstStyle/>
           <a:p>
             <a:r>
-              <a:rPr lang="en-US" smtClean="0"/>
-              <a:t>ToArray() – converts result to array</a:t>
-            </a:r>
-          </a:p>
-          <a:p>
-            <a:r>
-              <a:rPr lang="en-US" smtClean="0"/>
-              <a:t>ToList() – converts result to List(Of )</a:t>
-            </a:r>
-          </a:p>
-          <a:p>
-            <a:endParaRPr lang="en-US" smtClean="0"/>
+              <a:rPr lang="en-US" dirty="0" err="1" smtClean="0"/>
+              <a:t>ToArray</a:t>
+            </a:r>
+            <a:r>
+              <a:rPr lang="en-US" dirty="0" smtClean="0"/>
+              <a:t>() – converts result to array</a:t>
+            </a:r>
+          </a:p>
+          <a:p>
+            <a:r>
+              <a:rPr lang="en-US" dirty="0" err="1" smtClean="0"/>
+              <a:t>ToList</a:t>
+            </a:r>
+            <a:r>
+              <a:rPr lang="en-US" dirty="0" smtClean="0"/>
+              <a:t>() – converts result to </a:t>
+            </a:r>
+            <a:r>
+              <a:rPr lang="en-US" dirty="0" smtClean="0"/>
+              <a:t>List&lt;&gt;</a:t>
+            </a:r>
+            <a:endParaRPr lang="en-US" dirty="0" smtClean="0"/>
+          </a:p>
+          <a:p>
+            <a:endParaRPr lang="en-US" dirty="0" smtClean="0"/>
           </a:p>
           <a:p>
             <a:pPr lvl="1"/>
-            <a:endParaRPr lang="en-US" smtClean="0"/>
+            <a:endParaRPr lang="en-US" dirty="0" smtClean="0"/>
           </a:p>
         </p:txBody>
       </p:sp>
@@ -19042,41 +18932,56 @@
           <a:lstStyle/>
           <a:p>
             <a:r>
-              <a:rPr lang="en-US" smtClean="0"/>
+              <a:rPr lang="en-US" dirty="0" smtClean="0"/>
               <a:t>Represents specialization in Object-Oriented world</a:t>
             </a:r>
           </a:p>
           <a:p>
             <a:r>
-              <a:rPr lang="en-US" smtClean="0"/>
+              <a:rPr lang="en-US" dirty="0" smtClean="0"/>
               <a:t>Is used to reuse the functionality of an existing class.</a:t>
             </a:r>
           </a:p>
           <a:p>
+            <a:r>
+              <a:rPr lang="en-US" dirty="0" err="1" smtClean="0">
+                <a:sym typeface="Wingdings" panose="05000000000000000000" pitchFamily="2" charset="2"/>
+              </a:rPr>
+              <a:t>.net</a:t>
+            </a:r>
+            <a:r>
+              <a:rPr lang="en-US" dirty="0" smtClean="0">
+                <a:sym typeface="Wingdings" panose="05000000000000000000" pitchFamily="2" charset="2"/>
+              </a:rPr>
+              <a:t> supports:</a:t>
+            </a:r>
+          </a:p>
+          <a:p>
+            <a:pPr lvl="1"/>
+            <a:r>
+              <a:rPr lang="en-US" dirty="0" smtClean="0">
+                <a:sym typeface="Wingdings" panose="05000000000000000000" pitchFamily="2" charset="2"/>
+              </a:rPr>
+              <a:t>single inheritance</a:t>
+            </a:r>
+          </a:p>
+          <a:p>
+            <a:pPr lvl="1"/>
             <a:r>
               <a:rPr lang="en-US" smtClean="0">
                 <a:sym typeface="Wingdings" panose="05000000000000000000" pitchFamily="2" charset="2"/>
               </a:rPr>
-              <a:t>.net supports:</a:t>
-            </a:r>
-          </a:p>
-          <a:p>
-            <a:pPr lvl="1"/>
+              <a:t>multi-level </a:t>
+            </a:r>
             <a:r>
               <a:rPr lang="en-US" smtClean="0">
                 <a:sym typeface="Wingdings" panose="05000000000000000000" pitchFamily="2" charset="2"/>
               </a:rPr>
-              <a:t>single inheritance</a:t>
-            </a:r>
-          </a:p>
-          <a:p>
-            <a:pPr lvl="1"/>
-            <a:r>
-              <a:rPr lang="en-US" smtClean="0">
-                <a:sym typeface="Wingdings" panose="05000000000000000000" pitchFamily="2" charset="2"/>
-              </a:rPr>
-              <a:t>multi-level inheritance .</a:t>
-            </a:r>
+              <a:t>inheritance</a:t>
+            </a:r>
+            <a:endParaRPr lang="en-US" smtClean="0">
+              <a:sym typeface="Wingdings" panose="05000000000000000000" pitchFamily="2" charset="2"/>
+            </a:endParaRPr>
           </a:p>
         </p:txBody>
       </p:sp>
@@ -19350,25 +19255,13 @@
           <a:p>
             <a:r>
               <a:rPr lang="en-US" dirty="0" smtClean="0"/>
-              <a:t>Internal – </a:t>
-            </a:r>
+              <a:t>Internal – visible within current project</a:t>
+            </a:r>
+          </a:p>
+          <a:p>
             <a:r>
               <a:rPr lang="en-US" dirty="0" smtClean="0"/>
-              <a:t>visible within current project</a:t>
-            </a:r>
-          </a:p>
-          <a:p>
-            <a:r>
-              <a:rPr lang="en-US" dirty="0" smtClean="0"/>
-              <a:t>Protected </a:t>
-            </a:r>
-            <a:r>
-              <a:rPr lang="en-US" dirty="0" smtClean="0"/>
-              <a:t>Internal– </a:t>
-            </a:r>
-            <a:r>
-              <a:rPr lang="en-US" dirty="0" smtClean="0"/>
-              <a:t>visible only to class and it’s child classes defined in current project</a:t>
+              <a:t>Protected Internal– visible only to class and it’s child classes defined in current project</a:t>
             </a:r>
           </a:p>
           <a:p>
@@ -19781,19 +19674,7 @@
               <a:rPr lang="en-US" dirty="0" smtClean="0">
                 <a:sym typeface="Wingdings" panose="05000000000000000000" pitchFamily="2" charset="2"/>
               </a:rPr>
-              <a:t>If a class inherits other class then the members of the class which are defined using Public and Protected (and possibly </a:t>
-            </a:r>
-            <a:r>
-              <a:rPr lang="en-US" dirty="0" smtClean="0">
-                <a:sym typeface="Wingdings" panose="05000000000000000000" pitchFamily="2" charset="2"/>
-              </a:rPr>
-              <a:t>Internal) </a:t>
-            </a:r>
-            <a:r>
-              <a:rPr lang="en-US" dirty="0" smtClean="0">
-                <a:sym typeface="Wingdings" panose="05000000000000000000" pitchFamily="2" charset="2"/>
-              </a:rPr>
-              <a:t>modifiers can be accessed directly from the derived class.</a:t>
+              <a:t>If a class inherits other class then the members of the class which are defined using Public and Protected (and possibly Internal) modifiers can be accessed directly from the derived class.</a:t>
             </a:r>
           </a:p>
           <a:p>
@@ -19854,11 +19735,7 @@
           <a:p>
             <a:r>
               <a:rPr lang="en-US" dirty="0" smtClean="0"/>
-              <a:t>Sorting </a:t>
-            </a:r>
-            <a:r>
-              <a:rPr lang="en-US" dirty="0" smtClean="0"/>
-              <a:t>List&lt;&gt;</a:t>
+              <a:t>Sorting List&lt;&gt;</a:t>
             </a:r>
             <a:endParaRPr lang="ru-RU" dirty="0" smtClean="0"/>
           </a:p>
